--- a/coursework/Diagrams/First-Class-Diagram/Class_Diagram_First_Draft.pptx
+++ b/coursework/Diagrams/First-Class-Diagram/Class_Diagram_First_Draft.pptx
@@ -2862,7 +2862,11 @@
           <a:prstGeom prst="rect">
             <a:avLst/>
           </a:prstGeom>
-          <a:ln/>
+          <a:ln>
+            <a:solidFill>
+              <a:schemeClr val="tx1"/>
+            </a:solidFill>
+          </a:ln>
         </p:spPr>
         <p:style>
           <a:lnRef idx="2">
@@ -3077,7 +3081,11 @@
           <a:prstGeom prst="rect">
             <a:avLst/>
           </a:prstGeom>
-          <a:ln/>
+          <a:ln>
+            <a:solidFill>
+              <a:schemeClr val="tx1"/>
+            </a:solidFill>
+          </a:ln>
         </p:spPr>
         <p:style>
           <a:lnRef idx="2">
@@ -3246,7 +3254,11 @@
           <a:prstGeom prst="rect">
             <a:avLst/>
           </a:prstGeom>
-          <a:ln/>
+          <a:ln>
+            <a:solidFill>
+              <a:schemeClr val="tx1"/>
+            </a:solidFill>
+          </a:ln>
         </p:spPr>
         <p:style>
           <a:lnRef idx="2">
@@ -3411,7 +3423,11 @@
           <a:prstGeom prst="rect">
             <a:avLst/>
           </a:prstGeom>
-          <a:ln/>
+          <a:ln>
+            <a:solidFill>
+              <a:schemeClr val="tx1"/>
+            </a:solidFill>
+          </a:ln>
         </p:spPr>
         <p:style>
           <a:lnRef idx="2">
@@ -3660,6 +3676,11 @@
           <a:prstGeom prst="line">
             <a:avLst/>
           </a:prstGeom>
+          <a:ln>
+            <a:solidFill>
+              <a:schemeClr val="tx1"/>
+            </a:solidFill>
+          </a:ln>
         </p:spPr>
         <p:style>
           <a:lnRef idx="2">
@@ -3690,6 +3711,11 @@
           <a:prstGeom prst="line">
             <a:avLst/>
           </a:prstGeom>
+          <a:ln>
+            <a:solidFill>
+              <a:schemeClr val="tx1"/>
+            </a:solidFill>
+          </a:ln>
         </p:spPr>
         <p:style>
           <a:lnRef idx="2">
@@ -3714,12 +3740,17 @@
         </p:nvCxnSpPr>
         <p:spPr>
           <a:xfrm>
-            <a:off x="7311318" y="5967099"/>
+            <a:off x="7475440" y="5873315"/>
             <a:ext cx="3349730" cy="0"/>
           </a:xfrm>
           <a:prstGeom prst="line">
             <a:avLst/>
           </a:prstGeom>
+          <a:ln>
+            <a:solidFill>
+              <a:schemeClr val="tx1"/>
+            </a:solidFill>
+          </a:ln>
         </p:spPr>
         <p:style>
           <a:lnRef idx="2">
@@ -3750,6 +3781,11 @@
           <a:prstGeom prst="line">
             <a:avLst/>
           </a:prstGeom>
+          <a:ln>
+            <a:solidFill>
+              <a:schemeClr val="tx1"/>
+            </a:solidFill>
+          </a:ln>
         </p:spPr>
         <p:style>
           <a:lnRef idx="2">
@@ -3826,7 +3862,11 @@
           <a:prstGeom prst="rect">
             <a:avLst/>
           </a:prstGeom>
-          <a:ln/>
+          <a:ln>
+            <a:solidFill>
+              <a:schemeClr val="tx1"/>
+            </a:solidFill>
+          </a:ln>
         </p:spPr>
         <p:style>
           <a:lnRef idx="2">
@@ -3977,6 +4017,11 @@
           <a:prstGeom prst="line">
             <a:avLst/>
           </a:prstGeom>
+          <a:ln>
+            <a:solidFill>
+              <a:schemeClr val="tx1"/>
+            </a:solidFill>
+          </a:ln>
         </p:spPr>
         <p:style>
           <a:lnRef idx="2">
@@ -4010,6 +4055,11 @@
           <a:prstGeom prst="line">
             <a:avLst/>
           </a:prstGeom>
+          <a:ln>
+            <a:solidFill>
+              <a:schemeClr val="tx1"/>
+            </a:solidFill>
+          </a:ln>
         </p:spPr>
         <p:style>
           <a:lnRef idx="1">
@@ -4042,6 +4092,11 @@
           <a:prstGeom prst="line">
             <a:avLst/>
           </a:prstGeom>
+          <a:ln>
+            <a:solidFill>
+              <a:schemeClr val="tx1"/>
+            </a:solidFill>
+          </a:ln>
         </p:spPr>
         <p:style>
           <a:lnRef idx="1">
@@ -4072,6 +4127,11 @@
           <a:prstGeom prst="line">
             <a:avLst/>
           </a:prstGeom>
+          <a:ln>
+            <a:solidFill>
+              <a:schemeClr val="tx1"/>
+            </a:solidFill>
+          </a:ln>
         </p:spPr>
         <p:style>
           <a:lnRef idx="1">
@@ -4104,6 +4164,11 @@
           <a:prstGeom prst="line">
             <a:avLst/>
           </a:prstGeom>
+          <a:ln>
+            <a:solidFill>
+              <a:schemeClr val="tx1"/>
+            </a:solidFill>
+          </a:ln>
         </p:spPr>
         <p:style>
           <a:lnRef idx="1">
@@ -4134,6 +4199,11 @@
           <a:prstGeom prst="line">
             <a:avLst/>
           </a:prstGeom>
+          <a:ln>
+            <a:solidFill>
+              <a:schemeClr val="tx1"/>
+            </a:solidFill>
+          </a:ln>
         </p:spPr>
         <p:style>
           <a:lnRef idx="1">
@@ -4164,6 +4234,11 @@
           <a:prstGeom prst="line">
             <a:avLst/>
           </a:prstGeom>
+          <a:ln>
+            <a:solidFill>
+              <a:schemeClr val="tx1"/>
+            </a:solidFill>
+          </a:ln>
         </p:spPr>
         <p:style>
           <a:lnRef idx="1">
@@ -4195,6 +4270,11 @@
             <a:avLst/>
           </a:prstGeom>
           <a:noFill/>
+          <a:ln>
+            <a:solidFill>
+              <a:schemeClr val="tx1"/>
+            </a:solidFill>
+          </a:ln>
         </p:spPr>
         <p:txBody>
           <a:bodyPr wrap="square" rtlCol="0">
@@ -4224,6 +4304,11 @@
             <a:avLst/>
           </a:prstGeom>
           <a:noFill/>
+          <a:ln>
+            <a:solidFill>
+              <a:schemeClr val="tx1"/>
+            </a:solidFill>
+          </a:ln>
         </p:spPr>
         <p:txBody>
           <a:bodyPr wrap="square" rtlCol="0">
@@ -4253,6 +4338,11 @@
             <a:avLst/>
           </a:prstGeom>
           <a:noFill/>
+          <a:ln>
+            <a:solidFill>
+              <a:schemeClr val="tx1"/>
+            </a:solidFill>
+          </a:ln>
         </p:spPr>
         <p:txBody>
           <a:bodyPr wrap="square" rtlCol="0">
@@ -4282,6 +4372,11 @@
             <a:avLst/>
           </a:prstGeom>
           <a:noFill/>
+          <a:ln>
+            <a:solidFill>
+              <a:schemeClr val="tx1"/>
+            </a:solidFill>
+          </a:ln>
         </p:spPr>
         <p:txBody>
           <a:bodyPr wrap="square" rtlCol="0">
@@ -4311,6 +4406,11 @@
             <a:avLst/>
           </a:prstGeom>
           <a:noFill/>
+          <a:ln>
+            <a:solidFill>
+              <a:schemeClr val="tx1"/>
+            </a:solidFill>
+          </a:ln>
         </p:spPr>
         <p:txBody>
           <a:bodyPr wrap="square" rtlCol="0">
@@ -4340,6 +4440,11 @@
             <a:avLst/>
           </a:prstGeom>
           <a:noFill/>
+          <a:ln>
+            <a:solidFill>
+              <a:schemeClr val="tx1"/>
+            </a:solidFill>
+          </a:ln>
         </p:spPr>
         <p:txBody>
           <a:bodyPr wrap="square" rtlCol="0">
@@ -4369,6 +4474,11 @@
             <a:avLst/>
           </a:prstGeom>
           <a:noFill/>
+          <a:ln>
+            <a:solidFill>
+              <a:schemeClr val="tx1"/>
+            </a:solidFill>
+          </a:ln>
         </p:spPr>
         <p:txBody>
           <a:bodyPr wrap="square" rtlCol="0">
@@ -4398,6 +4508,11 @@
             <a:avLst/>
           </a:prstGeom>
           <a:noFill/>
+          <a:ln>
+            <a:solidFill>
+              <a:schemeClr val="tx1"/>
+            </a:solidFill>
+          </a:ln>
         </p:spPr>
         <p:txBody>
           <a:bodyPr wrap="square" rtlCol="0">

--- a/coursework/Diagrams/First-Class-Diagram/Class_Diagram_First_Draft.pptx
+++ b/coursework/Diagrams/First-Class-Diagram/Class_Diagram_First_Draft.pptx
@@ -4011,7 +4011,7 @@
         </p:nvCxnSpPr>
         <p:spPr>
           <a:xfrm>
-            <a:off x="7311318" y="8747121"/>
+            <a:off x="7311318" y="8700229"/>
             <a:ext cx="3349730" cy="0"/>
           </a:xfrm>
           <a:prstGeom prst="line">
@@ -4263,7 +4263,7 @@
         </p:nvSpPr>
         <p:spPr>
           <a:xfrm>
-            <a:off x="13432971" y="5138049"/>
+            <a:off x="13432971" y="5067711"/>
             <a:ext cx="631372" cy="410241"/>
           </a:xfrm>
           <a:prstGeom prst="rect">
@@ -4331,7 +4331,7 @@
         </p:nvSpPr>
         <p:spPr>
           <a:xfrm>
-            <a:off x="8302568" y="5025297"/>
+            <a:off x="8279122" y="5001851"/>
             <a:ext cx="631372" cy="410241"/>
           </a:xfrm>
           <a:prstGeom prst="rect">
@@ -4399,7 +4399,7 @@
         </p:nvSpPr>
         <p:spPr>
           <a:xfrm>
-            <a:off x="8362160" y="7835187"/>
+            <a:off x="8362160" y="7788295"/>
             <a:ext cx="631372" cy="410241"/>
           </a:xfrm>
           <a:prstGeom prst="rect">
@@ -4524,6 +4524,66 @@
               <a:rPr lang="en-GB" dirty="0"/>
               <a:t>1..*</a:t>
             </a:r>
+          </a:p>
+        </p:txBody>
+      </p:sp>
+      <p:sp>
+        <p:nvSpPr>
+          <p:cNvPr id="2" name="TextBox 1"/>
+          <p:cNvSpPr txBox="1"/>
+          <p:nvPr/>
+        </p:nvSpPr>
+        <p:spPr>
+          <a:xfrm>
+            <a:off x="13028540" y="2784743"/>
+            <a:ext cx="1547655" cy="410241"/>
+          </a:xfrm>
+          <a:prstGeom prst="rect">
+            <a:avLst/>
+          </a:prstGeom>
+          <a:noFill/>
+        </p:spPr>
+        <p:txBody>
+          <a:bodyPr wrap="square" rtlCol="0">
+            <a:spAutoFit/>
+          </a:bodyPr>
+          <a:lstStyle/>
+          <a:p>
+            <a:r>
+              <a:rPr lang="en-GB" dirty="0" smtClean="0"/>
+              <a:t>{Searching}</a:t>
+            </a:r>
+            <a:endParaRPr lang="en-GB" dirty="0"/>
+          </a:p>
+        </p:txBody>
+      </p:sp>
+      <p:sp>
+        <p:nvSpPr>
+          <p:cNvPr id="29" name="TextBox 28"/>
+          <p:cNvSpPr txBox="1"/>
+          <p:nvPr/>
+        </p:nvSpPr>
+        <p:spPr>
+          <a:xfrm>
+            <a:off x="3758106" y="2778532"/>
+            <a:ext cx="1547655" cy="410241"/>
+          </a:xfrm>
+          <a:prstGeom prst="rect">
+            <a:avLst/>
+          </a:prstGeom>
+          <a:noFill/>
+        </p:spPr>
+        <p:txBody>
+          <a:bodyPr wrap="square" rtlCol="0">
+            <a:spAutoFit/>
+          </a:bodyPr>
+          <a:lstStyle/>
+          <a:p>
+            <a:r>
+              <a:rPr lang="en-GB" dirty="0" smtClean="0"/>
+              <a:t>{Add/Edit}</a:t>
+            </a:r>
+            <a:endParaRPr lang="en-GB" dirty="0"/>
           </a:p>
         </p:txBody>
       </p:sp>
